--- a/Document/소비채집Resource.pptx
+++ b/Document/소비채집Resource.pptx
@@ -106,6 +106,11 @@
       </a:defRPr>
     </a:lvl9pPr>
   </p:defaultTextStyle>
+  <p:extLst>
+    <p:ext uri="{EFAFB233-063F-42B5-8137-9DF3F51BA10A}">
+      <p15:sldGuideLst xmlns:p15="http://schemas.microsoft.com/office/powerpoint/2012/main"/>
+    </p:ext>
+  </p:extLst>
 </p:presentation>
 </file>
 
@@ -256,7 +261,7 @@
           <a:p>
             <a:fld id="{8FA99196-DC2C-7B45-9736-1FE17AB04E65}" type="datetimeFigureOut">
               <a:rPr kumimoji="1" lang="ko-KR" altLang="en-US" smtClean="0"/>
-              <a:t>2024. 12. 23.</a:t>
+              <a:t>2025. 2. 15.</a:t>
             </a:fld>
             <a:endParaRPr kumimoji="1" lang="ko-KR" altLang="en-US"/>
           </a:p>
@@ -454,7 +459,7 @@
           <a:p>
             <a:fld id="{8FA99196-DC2C-7B45-9736-1FE17AB04E65}" type="datetimeFigureOut">
               <a:rPr kumimoji="1" lang="ko-KR" altLang="en-US" smtClean="0"/>
-              <a:t>2024. 12. 23.</a:t>
+              <a:t>2025. 2. 15.</a:t>
             </a:fld>
             <a:endParaRPr kumimoji="1" lang="ko-KR" altLang="en-US"/>
           </a:p>
@@ -662,7 +667,7 @@
           <a:p>
             <a:fld id="{8FA99196-DC2C-7B45-9736-1FE17AB04E65}" type="datetimeFigureOut">
               <a:rPr kumimoji="1" lang="ko-KR" altLang="en-US" smtClean="0"/>
-              <a:t>2024. 12. 23.</a:t>
+              <a:t>2025. 2. 15.</a:t>
             </a:fld>
             <a:endParaRPr kumimoji="1" lang="ko-KR" altLang="en-US"/>
           </a:p>
@@ -860,7 +865,7 @@
           <a:p>
             <a:fld id="{8FA99196-DC2C-7B45-9736-1FE17AB04E65}" type="datetimeFigureOut">
               <a:rPr kumimoji="1" lang="ko-KR" altLang="en-US" smtClean="0"/>
-              <a:t>2024. 12. 23.</a:t>
+              <a:t>2025. 2. 15.</a:t>
             </a:fld>
             <a:endParaRPr kumimoji="1" lang="ko-KR" altLang="en-US"/>
           </a:p>
@@ -1135,7 +1140,7 @@
           <a:p>
             <a:fld id="{8FA99196-DC2C-7B45-9736-1FE17AB04E65}" type="datetimeFigureOut">
               <a:rPr kumimoji="1" lang="ko-KR" altLang="en-US" smtClean="0"/>
-              <a:t>2024. 12. 23.</a:t>
+              <a:t>2025. 2. 15.</a:t>
             </a:fld>
             <a:endParaRPr kumimoji="1" lang="ko-KR" altLang="en-US"/>
           </a:p>
@@ -1400,7 +1405,7 @@
           <a:p>
             <a:fld id="{8FA99196-DC2C-7B45-9736-1FE17AB04E65}" type="datetimeFigureOut">
               <a:rPr kumimoji="1" lang="ko-KR" altLang="en-US" smtClean="0"/>
-              <a:t>2024. 12. 23.</a:t>
+              <a:t>2025. 2. 15.</a:t>
             </a:fld>
             <a:endParaRPr kumimoji="1" lang="ko-KR" altLang="en-US"/>
           </a:p>
@@ -1812,7 +1817,7 @@
           <a:p>
             <a:fld id="{8FA99196-DC2C-7B45-9736-1FE17AB04E65}" type="datetimeFigureOut">
               <a:rPr kumimoji="1" lang="ko-KR" altLang="en-US" smtClean="0"/>
-              <a:t>2024. 12. 23.</a:t>
+              <a:t>2025. 2. 15.</a:t>
             </a:fld>
             <a:endParaRPr kumimoji="1" lang="ko-KR" altLang="en-US"/>
           </a:p>
@@ -1953,7 +1958,7 @@
           <a:p>
             <a:fld id="{8FA99196-DC2C-7B45-9736-1FE17AB04E65}" type="datetimeFigureOut">
               <a:rPr kumimoji="1" lang="ko-KR" altLang="en-US" smtClean="0"/>
-              <a:t>2024. 12. 23.</a:t>
+              <a:t>2025. 2. 15.</a:t>
             </a:fld>
             <a:endParaRPr kumimoji="1" lang="ko-KR" altLang="en-US"/>
           </a:p>
@@ -2066,7 +2071,7 @@
           <a:p>
             <a:fld id="{8FA99196-DC2C-7B45-9736-1FE17AB04E65}" type="datetimeFigureOut">
               <a:rPr kumimoji="1" lang="ko-KR" altLang="en-US" smtClean="0"/>
-              <a:t>2024. 12. 23.</a:t>
+              <a:t>2025. 2. 15.</a:t>
             </a:fld>
             <a:endParaRPr kumimoji="1" lang="ko-KR" altLang="en-US"/>
           </a:p>
@@ -2377,7 +2382,7 @@
           <a:p>
             <a:fld id="{8FA99196-DC2C-7B45-9736-1FE17AB04E65}" type="datetimeFigureOut">
               <a:rPr kumimoji="1" lang="ko-KR" altLang="en-US" smtClean="0"/>
-              <a:t>2024. 12. 23.</a:t>
+              <a:t>2025. 2. 15.</a:t>
             </a:fld>
             <a:endParaRPr kumimoji="1" lang="ko-KR" altLang="en-US"/>
           </a:p>
@@ -2665,7 +2670,7 @@
           <a:p>
             <a:fld id="{8FA99196-DC2C-7B45-9736-1FE17AB04E65}" type="datetimeFigureOut">
               <a:rPr kumimoji="1" lang="ko-KR" altLang="en-US" smtClean="0"/>
-              <a:t>2024. 12. 23.</a:t>
+              <a:t>2025. 2. 15.</a:t>
             </a:fld>
             <a:endParaRPr kumimoji="1" lang="ko-KR" altLang="en-US"/>
           </a:p>
@@ -2906,7 +2911,7 @@
           <a:p>
             <a:fld id="{8FA99196-DC2C-7B45-9736-1FE17AB04E65}" type="datetimeFigureOut">
               <a:rPr kumimoji="1" lang="ko-KR" altLang="en-US" smtClean="0"/>
-              <a:t>2024. 12. 23.</a:t>
+              <a:t>2025. 2. 15.</a:t>
             </a:fld>
             <a:endParaRPr kumimoji="1" lang="ko-KR" altLang="en-US"/>
           </a:p>
@@ -5085,6 +5090,187 @@
           </a:fontRef>
         </p:style>
       </p:cxnSp>
+      <p:grpSp>
+        <p:nvGrpSpPr>
+          <p:cNvPr id="18" name="그룹 17">
+            <a:extLst>
+              <a:ext uri="{FF2B5EF4-FFF2-40B4-BE49-F238E27FC236}">
+                <a16:creationId xmlns:a16="http://schemas.microsoft.com/office/drawing/2014/main" id="{82436BBE-6963-EF5F-F12B-B7D8FAE021B2}"/>
+              </a:ext>
+            </a:extLst>
+          </p:cNvPr>
+          <p:cNvGrpSpPr/>
+          <p:nvPr/>
+        </p:nvGrpSpPr>
+        <p:grpSpPr>
+          <a:xfrm flipH="1">
+            <a:off x="2782403" y="1906819"/>
+            <a:ext cx="267176" cy="45720"/>
+            <a:chOff x="2670646" y="1787801"/>
+            <a:chExt cx="367725" cy="62926"/>
+          </a:xfrm>
+          <a:solidFill>
+            <a:schemeClr val="tx1">
+              <a:lumMod val="75000"/>
+              <a:lumOff val="25000"/>
+            </a:schemeClr>
+          </a:solidFill>
+        </p:grpSpPr>
+        <p:sp>
+          <p:nvSpPr>
+            <p:cNvPr id="2" name="타원 1">
+              <a:extLst>
+                <a:ext uri="{FF2B5EF4-FFF2-40B4-BE49-F238E27FC236}">
+                  <a16:creationId xmlns:a16="http://schemas.microsoft.com/office/drawing/2014/main" id="{6DB55656-032B-BA8B-A108-0CEECEB97739}"/>
+                </a:ext>
+              </a:extLst>
+            </p:cNvPr>
+            <p:cNvSpPr/>
+            <p:nvPr/>
+          </p:nvSpPr>
+          <p:spPr>
+            <a:xfrm flipH="1" flipV="1">
+              <a:off x="2670646" y="1787802"/>
+              <a:ext cx="62925" cy="62925"/>
+            </a:xfrm>
+            <a:prstGeom prst="ellipse">
+              <a:avLst/>
+            </a:prstGeom>
+            <a:grpFill/>
+            <a:ln>
+              <a:noFill/>
+            </a:ln>
+          </p:spPr>
+          <p:style>
+            <a:lnRef idx="2">
+              <a:schemeClr val="dk1">
+                <a:shade val="15000"/>
+              </a:schemeClr>
+            </a:lnRef>
+            <a:fillRef idx="1">
+              <a:schemeClr val="dk1"/>
+            </a:fillRef>
+            <a:effectRef idx="0">
+              <a:schemeClr val="dk1"/>
+            </a:effectRef>
+            <a:fontRef idx="minor">
+              <a:schemeClr val="lt1"/>
+            </a:fontRef>
+          </p:style>
+          <p:txBody>
+            <a:bodyPr rtlCol="0" anchor="ctr"/>
+            <a:lstStyle/>
+            <a:p>
+              <a:pPr algn="ctr"/>
+              <a:endParaRPr kumimoji="1" lang="ko-KR" altLang="en-US"/>
+            </a:p>
+          </p:txBody>
+        </p:sp>
+        <p:sp>
+          <p:nvSpPr>
+            <p:cNvPr id="3" name="타원 2">
+              <a:extLst>
+                <a:ext uri="{FF2B5EF4-FFF2-40B4-BE49-F238E27FC236}">
+                  <a16:creationId xmlns:a16="http://schemas.microsoft.com/office/drawing/2014/main" id="{EF93A3EE-7492-F342-269C-27FA61D4E736}"/>
+                </a:ext>
+              </a:extLst>
+            </p:cNvPr>
+            <p:cNvSpPr/>
+            <p:nvPr/>
+          </p:nvSpPr>
+          <p:spPr>
+            <a:xfrm flipH="1" flipV="1">
+              <a:off x="2823046" y="1787802"/>
+              <a:ext cx="62925" cy="62925"/>
+            </a:xfrm>
+            <a:prstGeom prst="ellipse">
+              <a:avLst/>
+            </a:prstGeom>
+            <a:grpFill/>
+            <a:ln>
+              <a:noFill/>
+            </a:ln>
+          </p:spPr>
+          <p:style>
+            <a:lnRef idx="2">
+              <a:schemeClr val="dk1">
+                <a:shade val="15000"/>
+              </a:schemeClr>
+            </a:lnRef>
+            <a:fillRef idx="1">
+              <a:schemeClr val="dk1"/>
+            </a:fillRef>
+            <a:effectRef idx="0">
+              <a:schemeClr val="dk1"/>
+            </a:effectRef>
+            <a:fontRef idx="minor">
+              <a:schemeClr val="lt1"/>
+            </a:fontRef>
+          </p:style>
+          <p:txBody>
+            <a:bodyPr rtlCol="0" anchor="ctr"/>
+            <a:lstStyle/>
+            <a:p>
+              <a:pPr algn="ctr"/>
+              <a:endParaRPr kumimoji="1" lang="ko-KR" altLang="en-US" dirty="0"/>
+            </a:p>
+          </p:txBody>
+        </p:sp>
+        <p:sp>
+          <p:nvSpPr>
+            <p:cNvPr id="4" name="타원 3">
+              <a:extLst>
+                <a:ext uri="{FF2B5EF4-FFF2-40B4-BE49-F238E27FC236}">
+                  <a16:creationId xmlns:a16="http://schemas.microsoft.com/office/drawing/2014/main" id="{E75D0ED7-2EFE-50CE-37FA-F1DF668C1EE9}"/>
+                </a:ext>
+              </a:extLst>
+            </p:cNvPr>
+            <p:cNvSpPr/>
+            <p:nvPr/>
+          </p:nvSpPr>
+          <p:spPr>
+            <a:xfrm flipH="1" flipV="1">
+              <a:off x="2975446" y="1787801"/>
+              <a:ext cx="62925" cy="62925"/>
+            </a:xfrm>
+            <a:prstGeom prst="ellipse">
+              <a:avLst/>
+            </a:prstGeom>
+            <a:grpFill/>
+            <a:ln>
+              <a:noFill/>
+            </a:ln>
+          </p:spPr>
+          <p:style>
+            <a:lnRef idx="2">
+              <a:schemeClr val="dk1">
+                <a:shade val="15000"/>
+              </a:schemeClr>
+            </a:lnRef>
+            <a:fillRef idx="1">
+              <a:schemeClr val="dk1"/>
+            </a:fillRef>
+            <a:effectRef idx="0">
+              <a:schemeClr val="dk1"/>
+            </a:effectRef>
+            <a:fontRef idx="minor">
+              <a:schemeClr val="lt1"/>
+            </a:fontRef>
+          </p:style>
+          <p:txBody>
+            <a:bodyPr rtlCol="0" anchor="ctr"/>
+            <a:lstStyle/>
+            <a:p>
+              <a:pPr algn="ctr"/>
+              <a:r>
+                <a:rPr kumimoji="1" lang="en-US" altLang="ko-KR" dirty="0"/>
+                <a:t>           </a:t>
+              </a:r>
+              <a:endParaRPr kumimoji="1" lang="ko-KR" altLang="en-US" dirty="0"/>
+            </a:p>
+          </p:txBody>
+        </p:sp>
+      </p:grpSp>
     </p:spTree>
     <p:extLst>
       <p:ext uri="{BB962C8B-B14F-4D97-AF65-F5344CB8AC3E}">
@@ -5144,7 +5330,7 @@
         </p:blipFill>
         <p:spPr bwMode="auto">
           <a:xfrm>
-            <a:off x="896627" y="-720911"/>
+            <a:off x="7058434" y="498130"/>
             <a:ext cx="3417506" cy="3417506"/>
           </a:xfrm>
           <a:prstGeom prst="rect">
@@ -7505,6 +7691,946 @@
           <a:chExt cx="0" cy="0"/>
         </a:xfrm>
       </p:grpSpPr>
+      <p:grpSp>
+        <p:nvGrpSpPr>
+          <p:cNvPr id="9" name="그룹 8">
+            <a:extLst>
+              <a:ext uri="{FF2B5EF4-FFF2-40B4-BE49-F238E27FC236}">
+                <a16:creationId xmlns:a16="http://schemas.microsoft.com/office/drawing/2014/main" id="{A221CE49-8461-7478-E009-29CFDBBFD573}"/>
+              </a:ext>
+            </a:extLst>
+          </p:cNvPr>
+          <p:cNvGrpSpPr/>
+          <p:nvPr/>
+        </p:nvGrpSpPr>
+        <p:grpSpPr>
+          <a:xfrm>
+            <a:off x="606784" y="421133"/>
+            <a:ext cx="5443497" cy="5531640"/>
+            <a:chOff x="606784" y="413732"/>
+            <a:chExt cx="3172367" cy="3223735"/>
+          </a:xfrm>
+        </p:grpSpPr>
+        <p:pic>
+          <p:nvPicPr>
+            <p:cNvPr id="2" name="그림 1" descr="텍스트, 스크린샷, 영수증, 디자인이(가) 표시된 사진&#10;&#10;자동 생성된 설명">
+              <a:extLst>
+                <a:ext uri="{FF2B5EF4-FFF2-40B4-BE49-F238E27FC236}">
+                  <a16:creationId xmlns:a16="http://schemas.microsoft.com/office/drawing/2014/main" id="{A4A97707-1D48-B919-0B06-E842265B2789}"/>
+                </a:ext>
+              </a:extLst>
+            </p:cNvPr>
+            <p:cNvPicPr>
+              <a:picLocks noChangeAspect="1"/>
+            </p:cNvPicPr>
+            <p:nvPr/>
+          </p:nvPicPr>
+          <p:blipFill>
+            <a:blip r:embed="rId2"/>
+            <a:srcRect t="73623"/>
+            <a:stretch/>
+          </p:blipFill>
+          <p:spPr>
+            <a:xfrm>
+              <a:off x="606784" y="413732"/>
+              <a:ext cx="3172367" cy="3193776"/>
+            </a:xfrm>
+            <a:prstGeom prst="rect">
+              <a:avLst/>
+            </a:prstGeom>
+          </p:spPr>
+        </p:pic>
+        <p:sp>
+          <p:nvSpPr>
+            <p:cNvPr id="3" name="모서리가 둥근 직사각형 2">
+              <a:extLst>
+                <a:ext uri="{FF2B5EF4-FFF2-40B4-BE49-F238E27FC236}">
+                  <a16:creationId xmlns:a16="http://schemas.microsoft.com/office/drawing/2014/main" id="{618C2EE9-EF76-7D0A-3C34-751AF2B491C8}"/>
+                </a:ext>
+              </a:extLst>
+            </p:cNvPr>
+            <p:cNvSpPr/>
+            <p:nvPr/>
+          </p:nvSpPr>
+          <p:spPr>
+            <a:xfrm>
+              <a:off x="895225" y="3325888"/>
+              <a:ext cx="1207008" cy="311579"/>
+            </a:xfrm>
+            <a:prstGeom prst="roundRect">
+              <a:avLst/>
+            </a:prstGeom>
+            <a:solidFill>
+              <a:schemeClr val="bg2"/>
+            </a:solidFill>
+            <a:ln>
+              <a:noFill/>
+            </a:ln>
+          </p:spPr>
+          <p:style>
+            <a:lnRef idx="2">
+              <a:schemeClr val="dk1"/>
+            </a:lnRef>
+            <a:fillRef idx="1">
+              <a:schemeClr val="lt1"/>
+            </a:fillRef>
+            <a:effectRef idx="0">
+              <a:schemeClr val="dk1"/>
+            </a:effectRef>
+            <a:fontRef idx="minor">
+              <a:schemeClr val="dk1"/>
+            </a:fontRef>
+          </p:style>
+          <p:txBody>
+            <a:bodyPr rtlCol="0" anchor="ctr"/>
+            <a:lstStyle/>
+            <a:p>
+              <a:pPr algn="ctr"/>
+              <a:r>
+                <a:rPr kumimoji="1" lang="ko-KR" altLang="en-US" sz="1000" dirty="0">
+                  <a:solidFill>
+                    <a:schemeClr val="tx1">
+                      <a:lumMod val="50000"/>
+                      <a:lumOff val="50000"/>
+                    </a:schemeClr>
+                  </a:solidFill>
+                </a:rPr>
+                <a:t>저장하기</a:t>
+              </a:r>
+            </a:p>
+          </p:txBody>
+        </p:sp>
+        <p:sp>
+          <p:nvSpPr>
+            <p:cNvPr id="4" name="모서리가 둥근 직사각형 3">
+              <a:extLst>
+                <a:ext uri="{FF2B5EF4-FFF2-40B4-BE49-F238E27FC236}">
+                  <a16:creationId xmlns:a16="http://schemas.microsoft.com/office/drawing/2014/main" id="{C7A7B20F-59BA-EFBD-33C4-148AA9070405}"/>
+                </a:ext>
+              </a:extLst>
+            </p:cNvPr>
+            <p:cNvSpPr/>
+            <p:nvPr/>
+          </p:nvSpPr>
+          <p:spPr>
+            <a:xfrm>
+              <a:off x="2223617" y="3325888"/>
+              <a:ext cx="1207008" cy="311579"/>
+            </a:xfrm>
+            <a:prstGeom prst="roundRect">
+              <a:avLst/>
+            </a:prstGeom>
+            <a:solidFill>
+              <a:schemeClr val="bg2"/>
+            </a:solidFill>
+            <a:ln>
+              <a:noFill/>
+            </a:ln>
+          </p:spPr>
+          <p:style>
+            <a:lnRef idx="2">
+              <a:schemeClr val="dk1"/>
+            </a:lnRef>
+            <a:fillRef idx="1">
+              <a:schemeClr val="lt1"/>
+            </a:fillRef>
+            <a:effectRef idx="0">
+              <a:schemeClr val="dk1"/>
+            </a:effectRef>
+            <a:fontRef idx="minor">
+              <a:schemeClr val="dk1"/>
+            </a:fontRef>
+          </p:style>
+          <p:txBody>
+            <a:bodyPr rtlCol="0" anchor="ctr"/>
+            <a:lstStyle/>
+            <a:p>
+              <a:pPr algn="ctr"/>
+              <a:r>
+                <a:rPr kumimoji="1" lang="ko-KR" altLang="en-US" sz="1000" dirty="0">
+                  <a:solidFill>
+                    <a:schemeClr val="tx1">
+                      <a:lumMod val="50000"/>
+                      <a:lumOff val="50000"/>
+                    </a:schemeClr>
+                  </a:solidFill>
+                </a:rPr>
+                <a:t>공유하기</a:t>
+              </a:r>
+            </a:p>
+          </p:txBody>
+        </p:sp>
+      </p:grpSp>
+      <p:grpSp>
+        <p:nvGrpSpPr>
+          <p:cNvPr id="18" name="그룹 17">
+            <a:extLst>
+              <a:ext uri="{FF2B5EF4-FFF2-40B4-BE49-F238E27FC236}">
+                <a16:creationId xmlns:a16="http://schemas.microsoft.com/office/drawing/2014/main" id="{E0CB8715-7007-34F4-CBF5-09C6E5550B95}"/>
+              </a:ext>
+            </a:extLst>
+          </p:cNvPr>
+          <p:cNvGrpSpPr/>
+          <p:nvPr/>
+        </p:nvGrpSpPr>
+        <p:grpSpPr>
+          <a:xfrm>
+            <a:off x="4415880" y="3373476"/>
+            <a:ext cx="324411" cy="55524"/>
+            <a:chOff x="2670643" y="1787797"/>
+            <a:chExt cx="367727" cy="62937"/>
+          </a:xfrm>
+          <a:solidFill>
+            <a:schemeClr val="tx1">
+              <a:lumMod val="50000"/>
+              <a:lumOff val="50000"/>
+            </a:schemeClr>
+          </a:solidFill>
+        </p:grpSpPr>
+        <p:sp>
+          <p:nvSpPr>
+            <p:cNvPr id="19" name="타원 18">
+              <a:extLst>
+                <a:ext uri="{FF2B5EF4-FFF2-40B4-BE49-F238E27FC236}">
+                  <a16:creationId xmlns:a16="http://schemas.microsoft.com/office/drawing/2014/main" id="{47A2BB3E-8115-CC0A-C3D4-0755EFDC825B}"/>
+                </a:ext>
+              </a:extLst>
+            </p:cNvPr>
+            <p:cNvSpPr/>
+            <p:nvPr/>
+          </p:nvSpPr>
+          <p:spPr>
+            <a:xfrm flipH="1" flipV="1">
+              <a:off x="2670643" y="1787809"/>
+              <a:ext cx="62925" cy="62925"/>
+            </a:xfrm>
+            <a:prstGeom prst="ellipse">
+              <a:avLst/>
+            </a:prstGeom>
+            <a:grpFill/>
+            <a:ln>
+              <a:noFill/>
+            </a:ln>
+          </p:spPr>
+          <p:style>
+            <a:lnRef idx="2">
+              <a:schemeClr val="dk1">
+                <a:shade val="15000"/>
+              </a:schemeClr>
+            </a:lnRef>
+            <a:fillRef idx="1">
+              <a:schemeClr val="dk1"/>
+            </a:fillRef>
+            <a:effectRef idx="0">
+              <a:schemeClr val="dk1"/>
+            </a:effectRef>
+            <a:fontRef idx="minor">
+              <a:schemeClr val="lt1"/>
+            </a:fontRef>
+          </p:style>
+          <p:txBody>
+            <a:bodyPr rtlCol="0" anchor="ctr"/>
+            <a:lstStyle/>
+            <a:p>
+              <a:pPr algn="ctr"/>
+              <a:endParaRPr kumimoji="1" lang="ko-KR" altLang="en-US"/>
+            </a:p>
+          </p:txBody>
+        </p:sp>
+        <p:sp>
+          <p:nvSpPr>
+            <p:cNvPr id="20" name="타원 19">
+              <a:extLst>
+                <a:ext uri="{FF2B5EF4-FFF2-40B4-BE49-F238E27FC236}">
+                  <a16:creationId xmlns:a16="http://schemas.microsoft.com/office/drawing/2014/main" id="{DB16C027-1EA8-BF02-E61A-466C9C560086}"/>
+                </a:ext>
+              </a:extLst>
+            </p:cNvPr>
+            <p:cNvSpPr/>
+            <p:nvPr/>
+          </p:nvSpPr>
+          <p:spPr>
+            <a:xfrm flipH="1" flipV="1">
+              <a:off x="2823046" y="1787802"/>
+              <a:ext cx="62925" cy="62925"/>
+            </a:xfrm>
+            <a:prstGeom prst="ellipse">
+              <a:avLst/>
+            </a:prstGeom>
+            <a:grpFill/>
+            <a:ln>
+              <a:noFill/>
+            </a:ln>
+          </p:spPr>
+          <p:style>
+            <a:lnRef idx="2">
+              <a:schemeClr val="dk1">
+                <a:shade val="15000"/>
+              </a:schemeClr>
+            </a:lnRef>
+            <a:fillRef idx="1">
+              <a:schemeClr val="dk1"/>
+            </a:fillRef>
+            <a:effectRef idx="0">
+              <a:schemeClr val="dk1"/>
+            </a:effectRef>
+            <a:fontRef idx="minor">
+              <a:schemeClr val="lt1"/>
+            </a:fontRef>
+          </p:style>
+          <p:txBody>
+            <a:bodyPr rtlCol="0" anchor="ctr"/>
+            <a:lstStyle/>
+            <a:p>
+              <a:pPr algn="ctr"/>
+              <a:endParaRPr kumimoji="1" lang="ko-KR" altLang="en-US" dirty="0"/>
+            </a:p>
+          </p:txBody>
+        </p:sp>
+        <p:sp>
+          <p:nvSpPr>
+            <p:cNvPr id="21" name="타원 20">
+              <a:extLst>
+                <a:ext uri="{FF2B5EF4-FFF2-40B4-BE49-F238E27FC236}">
+                  <a16:creationId xmlns:a16="http://schemas.microsoft.com/office/drawing/2014/main" id="{F8C88919-EEA5-E361-DFFC-00DFED1B3B7B}"/>
+                </a:ext>
+              </a:extLst>
+            </p:cNvPr>
+            <p:cNvSpPr/>
+            <p:nvPr/>
+          </p:nvSpPr>
+          <p:spPr>
+            <a:xfrm flipH="1" flipV="1">
+              <a:off x="2975445" y="1787797"/>
+              <a:ext cx="62925" cy="62925"/>
+            </a:xfrm>
+            <a:prstGeom prst="ellipse">
+              <a:avLst/>
+            </a:prstGeom>
+            <a:grpFill/>
+            <a:ln>
+              <a:noFill/>
+            </a:ln>
+          </p:spPr>
+          <p:style>
+            <a:lnRef idx="2">
+              <a:schemeClr val="dk1">
+                <a:shade val="15000"/>
+              </a:schemeClr>
+            </a:lnRef>
+            <a:fillRef idx="1">
+              <a:schemeClr val="dk1"/>
+            </a:fillRef>
+            <a:effectRef idx="0">
+              <a:schemeClr val="dk1"/>
+            </a:effectRef>
+            <a:fontRef idx="minor">
+              <a:schemeClr val="lt1"/>
+            </a:fontRef>
+          </p:style>
+          <p:txBody>
+            <a:bodyPr rtlCol="0" anchor="ctr"/>
+            <a:lstStyle/>
+            <a:p>
+              <a:pPr algn="ctr"/>
+              <a:r>
+                <a:rPr kumimoji="1" lang="en-US" altLang="ko-KR" dirty="0"/>
+                <a:t>           </a:t>
+              </a:r>
+              <a:endParaRPr kumimoji="1" lang="ko-KR" altLang="en-US" dirty="0"/>
+            </a:p>
+          </p:txBody>
+        </p:sp>
+      </p:grpSp>
+      <p:grpSp>
+        <p:nvGrpSpPr>
+          <p:cNvPr id="22" name="그룹 21">
+            <a:extLst>
+              <a:ext uri="{FF2B5EF4-FFF2-40B4-BE49-F238E27FC236}">
+                <a16:creationId xmlns:a16="http://schemas.microsoft.com/office/drawing/2014/main" id="{456E316D-AC07-7274-C1F7-15E6975D9C29}"/>
+              </a:ext>
+            </a:extLst>
+          </p:cNvPr>
+          <p:cNvGrpSpPr/>
+          <p:nvPr/>
+        </p:nvGrpSpPr>
+        <p:grpSpPr>
+          <a:xfrm>
+            <a:off x="4415880" y="3836723"/>
+            <a:ext cx="324411" cy="55524"/>
+            <a:chOff x="2670643" y="1787797"/>
+            <a:chExt cx="367727" cy="62937"/>
+          </a:xfrm>
+          <a:solidFill>
+            <a:schemeClr val="tx1">
+              <a:lumMod val="50000"/>
+              <a:lumOff val="50000"/>
+            </a:schemeClr>
+          </a:solidFill>
+        </p:grpSpPr>
+        <p:sp>
+          <p:nvSpPr>
+            <p:cNvPr id="23" name="타원 22">
+              <a:extLst>
+                <a:ext uri="{FF2B5EF4-FFF2-40B4-BE49-F238E27FC236}">
+                  <a16:creationId xmlns:a16="http://schemas.microsoft.com/office/drawing/2014/main" id="{88BF619F-E97E-D254-4D03-DE5A5F9C540A}"/>
+                </a:ext>
+              </a:extLst>
+            </p:cNvPr>
+            <p:cNvSpPr/>
+            <p:nvPr/>
+          </p:nvSpPr>
+          <p:spPr>
+            <a:xfrm flipH="1" flipV="1">
+              <a:off x="2670643" y="1787809"/>
+              <a:ext cx="62925" cy="62925"/>
+            </a:xfrm>
+            <a:prstGeom prst="ellipse">
+              <a:avLst/>
+            </a:prstGeom>
+            <a:grpFill/>
+            <a:ln>
+              <a:noFill/>
+            </a:ln>
+          </p:spPr>
+          <p:style>
+            <a:lnRef idx="2">
+              <a:schemeClr val="dk1">
+                <a:shade val="15000"/>
+              </a:schemeClr>
+            </a:lnRef>
+            <a:fillRef idx="1">
+              <a:schemeClr val="dk1"/>
+            </a:fillRef>
+            <a:effectRef idx="0">
+              <a:schemeClr val="dk1"/>
+            </a:effectRef>
+            <a:fontRef idx="minor">
+              <a:schemeClr val="lt1"/>
+            </a:fontRef>
+          </p:style>
+          <p:txBody>
+            <a:bodyPr rtlCol="0" anchor="ctr"/>
+            <a:lstStyle/>
+            <a:p>
+              <a:pPr algn="ctr"/>
+              <a:endParaRPr kumimoji="1" lang="ko-KR" altLang="en-US"/>
+            </a:p>
+          </p:txBody>
+        </p:sp>
+        <p:sp>
+          <p:nvSpPr>
+            <p:cNvPr id="24" name="타원 23">
+              <a:extLst>
+                <a:ext uri="{FF2B5EF4-FFF2-40B4-BE49-F238E27FC236}">
+                  <a16:creationId xmlns:a16="http://schemas.microsoft.com/office/drawing/2014/main" id="{DCC84C08-F3EA-E740-24DE-5BEF247014D8}"/>
+                </a:ext>
+              </a:extLst>
+            </p:cNvPr>
+            <p:cNvSpPr/>
+            <p:nvPr/>
+          </p:nvSpPr>
+          <p:spPr>
+            <a:xfrm flipH="1" flipV="1">
+              <a:off x="2823046" y="1787802"/>
+              <a:ext cx="62925" cy="62925"/>
+            </a:xfrm>
+            <a:prstGeom prst="ellipse">
+              <a:avLst/>
+            </a:prstGeom>
+            <a:grpFill/>
+            <a:ln>
+              <a:noFill/>
+            </a:ln>
+          </p:spPr>
+          <p:style>
+            <a:lnRef idx="2">
+              <a:schemeClr val="dk1">
+                <a:shade val="15000"/>
+              </a:schemeClr>
+            </a:lnRef>
+            <a:fillRef idx="1">
+              <a:schemeClr val="dk1"/>
+            </a:fillRef>
+            <a:effectRef idx="0">
+              <a:schemeClr val="dk1"/>
+            </a:effectRef>
+            <a:fontRef idx="minor">
+              <a:schemeClr val="lt1"/>
+            </a:fontRef>
+          </p:style>
+          <p:txBody>
+            <a:bodyPr rtlCol="0" anchor="ctr"/>
+            <a:lstStyle/>
+            <a:p>
+              <a:pPr algn="ctr"/>
+              <a:endParaRPr kumimoji="1" lang="ko-KR" altLang="en-US" dirty="0"/>
+            </a:p>
+          </p:txBody>
+        </p:sp>
+        <p:sp>
+          <p:nvSpPr>
+            <p:cNvPr id="25" name="타원 24">
+              <a:extLst>
+                <a:ext uri="{FF2B5EF4-FFF2-40B4-BE49-F238E27FC236}">
+                  <a16:creationId xmlns:a16="http://schemas.microsoft.com/office/drawing/2014/main" id="{3469DE3A-F033-999F-C715-38E1BAA3385B}"/>
+                </a:ext>
+              </a:extLst>
+            </p:cNvPr>
+            <p:cNvSpPr/>
+            <p:nvPr/>
+          </p:nvSpPr>
+          <p:spPr>
+            <a:xfrm flipH="1" flipV="1">
+              <a:off x="2975445" y="1787797"/>
+              <a:ext cx="62925" cy="62925"/>
+            </a:xfrm>
+            <a:prstGeom prst="ellipse">
+              <a:avLst/>
+            </a:prstGeom>
+            <a:grpFill/>
+            <a:ln>
+              <a:noFill/>
+            </a:ln>
+          </p:spPr>
+          <p:style>
+            <a:lnRef idx="2">
+              <a:schemeClr val="dk1">
+                <a:shade val="15000"/>
+              </a:schemeClr>
+            </a:lnRef>
+            <a:fillRef idx="1">
+              <a:schemeClr val="dk1"/>
+            </a:fillRef>
+            <a:effectRef idx="0">
+              <a:schemeClr val="dk1"/>
+            </a:effectRef>
+            <a:fontRef idx="minor">
+              <a:schemeClr val="lt1"/>
+            </a:fontRef>
+          </p:style>
+          <p:txBody>
+            <a:bodyPr rtlCol="0" anchor="ctr"/>
+            <a:lstStyle/>
+            <a:p>
+              <a:pPr algn="ctr"/>
+              <a:r>
+                <a:rPr kumimoji="1" lang="en-US" altLang="ko-KR" dirty="0"/>
+                <a:t>           </a:t>
+              </a:r>
+              <a:endParaRPr kumimoji="1" lang="ko-KR" altLang="en-US" dirty="0"/>
+            </a:p>
+          </p:txBody>
+        </p:sp>
+      </p:grpSp>
+      <p:grpSp>
+        <p:nvGrpSpPr>
+          <p:cNvPr id="26" name="그룹 25">
+            <a:extLst>
+              <a:ext uri="{FF2B5EF4-FFF2-40B4-BE49-F238E27FC236}">
+                <a16:creationId xmlns:a16="http://schemas.microsoft.com/office/drawing/2014/main" id="{74DE477B-97F6-7561-AF7E-399368280308}"/>
+              </a:ext>
+            </a:extLst>
+          </p:cNvPr>
+          <p:cNvGrpSpPr/>
+          <p:nvPr/>
+        </p:nvGrpSpPr>
+        <p:grpSpPr>
+          <a:xfrm>
+            <a:off x="4415880" y="4340268"/>
+            <a:ext cx="324411" cy="55524"/>
+            <a:chOff x="2670643" y="1787797"/>
+            <a:chExt cx="367727" cy="62937"/>
+          </a:xfrm>
+          <a:solidFill>
+            <a:schemeClr val="tx1">
+              <a:lumMod val="50000"/>
+              <a:lumOff val="50000"/>
+            </a:schemeClr>
+          </a:solidFill>
+        </p:grpSpPr>
+        <p:sp>
+          <p:nvSpPr>
+            <p:cNvPr id="27" name="타원 26">
+              <a:extLst>
+                <a:ext uri="{FF2B5EF4-FFF2-40B4-BE49-F238E27FC236}">
+                  <a16:creationId xmlns:a16="http://schemas.microsoft.com/office/drawing/2014/main" id="{8EB0223F-CD4A-C5DE-5662-076721F9CE8D}"/>
+                </a:ext>
+              </a:extLst>
+            </p:cNvPr>
+            <p:cNvSpPr/>
+            <p:nvPr/>
+          </p:nvSpPr>
+          <p:spPr>
+            <a:xfrm flipH="1" flipV="1">
+              <a:off x="2670643" y="1787809"/>
+              <a:ext cx="62925" cy="62925"/>
+            </a:xfrm>
+            <a:prstGeom prst="ellipse">
+              <a:avLst/>
+            </a:prstGeom>
+            <a:grpFill/>
+            <a:ln>
+              <a:noFill/>
+            </a:ln>
+          </p:spPr>
+          <p:style>
+            <a:lnRef idx="2">
+              <a:schemeClr val="dk1">
+                <a:shade val="15000"/>
+              </a:schemeClr>
+            </a:lnRef>
+            <a:fillRef idx="1">
+              <a:schemeClr val="dk1"/>
+            </a:fillRef>
+            <a:effectRef idx="0">
+              <a:schemeClr val="dk1"/>
+            </a:effectRef>
+            <a:fontRef idx="minor">
+              <a:schemeClr val="lt1"/>
+            </a:fontRef>
+          </p:style>
+          <p:txBody>
+            <a:bodyPr rtlCol="0" anchor="ctr"/>
+            <a:lstStyle/>
+            <a:p>
+              <a:pPr algn="ctr"/>
+              <a:endParaRPr kumimoji="1" lang="ko-KR" altLang="en-US"/>
+            </a:p>
+          </p:txBody>
+        </p:sp>
+        <p:sp>
+          <p:nvSpPr>
+            <p:cNvPr id="28" name="타원 27">
+              <a:extLst>
+                <a:ext uri="{FF2B5EF4-FFF2-40B4-BE49-F238E27FC236}">
+                  <a16:creationId xmlns:a16="http://schemas.microsoft.com/office/drawing/2014/main" id="{5E78AAFC-9C26-C33E-06ED-7AD16671607B}"/>
+                </a:ext>
+              </a:extLst>
+            </p:cNvPr>
+            <p:cNvSpPr/>
+            <p:nvPr/>
+          </p:nvSpPr>
+          <p:spPr>
+            <a:xfrm flipH="1" flipV="1">
+              <a:off x="2823046" y="1787802"/>
+              <a:ext cx="62925" cy="62925"/>
+            </a:xfrm>
+            <a:prstGeom prst="ellipse">
+              <a:avLst/>
+            </a:prstGeom>
+            <a:grpFill/>
+            <a:ln>
+              <a:noFill/>
+            </a:ln>
+          </p:spPr>
+          <p:style>
+            <a:lnRef idx="2">
+              <a:schemeClr val="dk1">
+                <a:shade val="15000"/>
+              </a:schemeClr>
+            </a:lnRef>
+            <a:fillRef idx="1">
+              <a:schemeClr val="dk1"/>
+            </a:fillRef>
+            <a:effectRef idx="0">
+              <a:schemeClr val="dk1"/>
+            </a:effectRef>
+            <a:fontRef idx="minor">
+              <a:schemeClr val="lt1"/>
+            </a:fontRef>
+          </p:style>
+          <p:txBody>
+            <a:bodyPr rtlCol="0" anchor="ctr"/>
+            <a:lstStyle/>
+            <a:p>
+              <a:pPr algn="ctr"/>
+              <a:endParaRPr kumimoji="1" lang="ko-KR" altLang="en-US" dirty="0"/>
+            </a:p>
+          </p:txBody>
+        </p:sp>
+        <p:sp>
+          <p:nvSpPr>
+            <p:cNvPr id="29" name="타원 28">
+              <a:extLst>
+                <a:ext uri="{FF2B5EF4-FFF2-40B4-BE49-F238E27FC236}">
+                  <a16:creationId xmlns:a16="http://schemas.microsoft.com/office/drawing/2014/main" id="{20373CE1-F13C-4ACA-DDB9-C68366B37193}"/>
+                </a:ext>
+              </a:extLst>
+            </p:cNvPr>
+            <p:cNvSpPr/>
+            <p:nvPr/>
+          </p:nvSpPr>
+          <p:spPr>
+            <a:xfrm flipH="1" flipV="1">
+              <a:off x="2975445" y="1787797"/>
+              <a:ext cx="62925" cy="62925"/>
+            </a:xfrm>
+            <a:prstGeom prst="ellipse">
+              <a:avLst/>
+            </a:prstGeom>
+            <a:grpFill/>
+            <a:ln>
+              <a:noFill/>
+            </a:ln>
+          </p:spPr>
+          <p:style>
+            <a:lnRef idx="2">
+              <a:schemeClr val="dk1">
+                <a:shade val="15000"/>
+              </a:schemeClr>
+            </a:lnRef>
+            <a:fillRef idx="1">
+              <a:schemeClr val="dk1"/>
+            </a:fillRef>
+            <a:effectRef idx="0">
+              <a:schemeClr val="dk1"/>
+            </a:effectRef>
+            <a:fontRef idx="minor">
+              <a:schemeClr val="lt1"/>
+            </a:fontRef>
+          </p:style>
+          <p:txBody>
+            <a:bodyPr rtlCol="0" anchor="ctr"/>
+            <a:lstStyle/>
+            <a:p>
+              <a:pPr algn="ctr"/>
+              <a:r>
+                <a:rPr kumimoji="1" lang="en-US" altLang="ko-KR" dirty="0"/>
+                <a:t>           </a:t>
+              </a:r>
+              <a:endParaRPr kumimoji="1" lang="ko-KR" altLang="en-US" dirty="0"/>
+            </a:p>
+          </p:txBody>
+        </p:sp>
+      </p:grpSp>
+      <p:grpSp>
+        <p:nvGrpSpPr>
+          <p:cNvPr id="30" name="그룹 29">
+            <a:extLst>
+              <a:ext uri="{FF2B5EF4-FFF2-40B4-BE49-F238E27FC236}">
+                <a16:creationId xmlns:a16="http://schemas.microsoft.com/office/drawing/2014/main" id="{81A7881E-DD7E-D992-6320-24FEE927E163}"/>
+              </a:ext>
+            </a:extLst>
+          </p:cNvPr>
+          <p:cNvGrpSpPr/>
+          <p:nvPr/>
+        </p:nvGrpSpPr>
+        <p:grpSpPr>
+          <a:xfrm>
+            <a:off x="4415880" y="4757127"/>
+            <a:ext cx="324411" cy="55524"/>
+            <a:chOff x="2670643" y="1787797"/>
+            <a:chExt cx="367727" cy="62937"/>
+          </a:xfrm>
+          <a:solidFill>
+            <a:schemeClr val="tx1">
+              <a:lumMod val="50000"/>
+              <a:lumOff val="50000"/>
+            </a:schemeClr>
+          </a:solidFill>
+        </p:grpSpPr>
+        <p:sp>
+          <p:nvSpPr>
+            <p:cNvPr id="31" name="타원 30">
+              <a:extLst>
+                <a:ext uri="{FF2B5EF4-FFF2-40B4-BE49-F238E27FC236}">
+                  <a16:creationId xmlns:a16="http://schemas.microsoft.com/office/drawing/2014/main" id="{222C0542-B452-86EC-1D08-B564376CD5E5}"/>
+                </a:ext>
+              </a:extLst>
+            </p:cNvPr>
+            <p:cNvSpPr/>
+            <p:nvPr/>
+          </p:nvSpPr>
+          <p:spPr>
+            <a:xfrm flipH="1" flipV="1">
+              <a:off x="2670643" y="1787809"/>
+              <a:ext cx="62925" cy="62925"/>
+            </a:xfrm>
+            <a:prstGeom prst="ellipse">
+              <a:avLst/>
+            </a:prstGeom>
+            <a:grpFill/>
+            <a:ln>
+              <a:noFill/>
+            </a:ln>
+          </p:spPr>
+          <p:style>
+            <a:lnRef idx="2">
+              <a:schemeClr val="dk1">
+                <a:shade val="15000"/>
+              </a:schemeClr>
+            </a:lnRef>
+            <a:fillRef idx="1">
+              <a:schemeClr val="dk1"/>
+            </a:fillRef>
+            <a:effectRef idx="0">
+              <a:schemeClr val="dk1"/>
+            </a:effectRef>
+            <a:fontRef idx="minor">
+              <a:schemeClr val="lt1"/>
+            </a:fontRef>
+          </p:style>
+          <p:txBody>
+            <a:bodyPr rtlCol="0" anchor="ctr"/>
+            <a:lstStyle/>
+            <a:p>
+              <a:pPr algn="ctr"/>
+              <a:endParaRPr kumimoji="1" lang="ko-KR" altLang="en-US"/>
+            </a:p>
+          </p:txBody>
+        </p:sp>
+        <p:sp>
+          <p:nvSpPr>
+            <p:cNvPr id="32" name="타원 31">
+              <a:extLst>
+                <a:ext uri="{FF2B5EF4-FFF2-40B4-BE49-F238E27FC236}">
+                  <a16:creationId xmlns:a16="http://schemas.microsoft.com/office/drawing/2014/main" id="{E6AA6178-FDDA-88C7-0C51-7200293DA319}"/>
+                </a:ext>
+              </a:extLst>
+            </p:cNvPr>
+            <p:cNvSpPr/>
+            <p:nvPr/>
+          </p:nvSpPr>
+          <p:spPr>
+            <a:xfrm flipH="1" flipV="1">
+              <a:off x="2823046" y="1787802"/>
+              <a:ext cx="62925" cy="62925"/>
+            </a:xfrm>
+            <a:prstGeom prst="ellipse">
+              <a:avLst/>
+            </a:prstGeom>
+            <a:grpFill/>
+            <a:ln>
+              <a:noFill/>
+            </a:ln>
+          </p:spPr>
+          <p:style>
+            <a:lnRef idx="2">
+              <a:schemeClr val="dk1">
+                <a:shade val="15000"/>
+              </a:schemeClr>
+            </a:lnRef>
+            <a:fillRef idx="1">
+              <a:schemeClr val="dk1"/>
+            </a:fillRef>
+            <a:effectRef idx="0">
+              <a:schemeClr val="dk1"/>
+            </a:effectRef>
+            <a:fontRef idx="minor">
+              <a:schemeClr val="lt1"/>
+            </a:fontRef>
+          </p:style>
+          <p:txBody>
+            <a:bodyPr rtlCol="0" anchor="ctr"/>
+            <a:lstStyle/>
+            <a:p>
+              <a:pPr algn="ctr"/>
+              <a:endParaRPr kumimoji="1" lang="ko-KR" altLang="en-US" dirty="0"/>
+            </a:p>
+          </p:txBody>
+        </p:sp>
+        <p:sp>
+          <p:nvSpPr>
+            <p:cNvPr id="33" name="타원 32">
+              <a:extLst>
+                <a:ext uri="{FF2B5EF4-FFF2-40B4-BE49-F238E27FC236}">
+                  <a16:creationId xmlns:a16="http://schemas.microsoft.com/office/drawing/2014/main" id="{81719E4C-9432-E501-EA57-889356748DF1}"/>
+                </a:ext>
+              </a:extLst>
+            </p:cNvPr>
+            <p:cNvSpPr/>
+            <p:nvPr/>
+          </p:nvSpPr>
+          <p:spPr>
+            <a:xfrm flipH="1" flipV="1">
+              <a:off x="2975445" y="1787797"/>
+              <a:ext cx="62925" cy="62925"/>
+            </a:xfrm>
+            <a:prstGeom prst="ellipse">
+              <a:avLst/>
+            </a:prstGeom>
+            <a:grpFill/>
+            <a:ln>
+              <a:noFill/>
+            </a:ln>
+          </p:spPr>
+          <p:style>
+            <a:lnRef idx="2">
+              <a:schemeClr val="dk1">
+                <a:shade val="15000"/>
+              </a:schemeClr>
+            </a:lnRef>
+            <a:fillRef idx="1">
+              <a:schemeClr val="dk1"/>
+            </a:fillRef>
+            <a:effectRef idx="0">
+              <a:schemeClr val="dk1"/>
+            </a:effectRef>
+            <a:fontRef idx="minor">
+              <a:schemeClr val="lt1"/>
+            </a:fontRef>
+          </p:style>
+          <p:txBody>
+            <a:bodyPr rtlCol="0" anchor="ctr"/>
+            <a:lstStyle/>
+            <a:p>
+              <a:pPr algn="ctr"/>
+              <a:r>
+                <a:rPr kumimoji="1" lang="en-US" altLang="ko-KR" dirty="0"/>
+                <a:t>           </a:t>
+              </a:r>
+              <a:endParaRPr kumimoji="1" lang="ko-KR" altLang="en-US" dirty="0"/>
+            </a:p>
+          </p:txBody>
+        </p:sp>
+      </p:grpSp>
+      <p:cxnSp>
+        <p:nvCxnSpPr>
+          <p:cNvPr id="36" name="직선 연결선[R] 35">
+            <a:extLst>
+              <a:ext uri="{FF2B5EF4-FFF2-40B4-BE49-F238E27FC236}">
+                <a16:creationId xmlns:a16="http://schemas.microsoft.com/office/drawing/2014/main" id="{21F7A85F-5082-6147-0099-B876717E737B}"/>
+              </a:ext>
+            </a:extLst>
+          </p:cNvPr>
+          <p:cNvCxnSpPr>
+            <a:cxnSpLocks/>
+          </p:cNvCxnSpPr>
+          <p:nvPr/>
+        </p:nvCxnSpPr>
+        <p:spPr>
+          <a:xfrm>
+            <a:off x="4471393" y="2955471"/>
+            <a:ext cx="324411" cy="0"/>
+          </a:xfrm>
+          <a:prstGeom prst="line">
+            <a:avLst/>
+          </a:prstGeom>
+          <a:ln>
+            <a:solidFill>
+              <a:schemeClr val="tx1">
+                <a:lumMod val="65000"/>
+                <a:lumOff val="35000"/>
+              </a:schemeClr>
+            </a:solidFill>
+          </a:ln>
+        </p:spPr>
+        <p:style>
+          <a:lnRef idx="1">
+            <a:schemeClr val="dk1"/>
+          </a:lnRef>
+          <a:fillRef idx="0">
+            <a:schemeClr val="dk1"/>
+          </a:fillRef>
+          <a:effectRef idx="0">
+            <a:schemeClr val="dk1"/>
+          </a:effectRef>
+          <a:fontRef idx="minor">
+            <a:schemeClr val="tx1"/>
+          </a:fontRef>
+        </p:style>
+      </p:cxnSp>
     </p:spTree>
     <p:extLst>
       <p:ext uri="{BB962C8B-B14F-4D97-AF65-F5344CB8AC3E}">
